--- a/JPF/JPF03_slide_inertia.pptx
+++ b/JPF/JPF03_slide_inertia.pptx
@@ -1,33 +1,33 @@
 
 <file path=ppt/presentation.xml><?xml version="1.0" encoding="utf-8"?>
-<p:presentation xmlns:a="http://schemas.openxmlformats.org/drawingml/2006/main" xmlns:r="http://schemas.openxmlformats.org/officeDocument/2006/relationships" xmlns:p="http://schemas.openxmlformats.org/presentationml/2006/main" saveSubsetFonts="1">
+<p:presentation xmlns:a="http://schemas.openxmlformats.org/drawingml/2006/main" xmlns:r="http://schemas.openxmlformats.org/officeDocument/2006/relationships" xmlns:p="http://schemas.openxmlformats.org/presentationml/2006/main" removePersonalInfoOnSave="1" saveSubsetFonts="1">
   <p:sldMasterIdLst>
-    <p:sldMasterId id="2147483648" r:id="rId4"/>
+    <p:sldMasterId id="2147483648" r:id="rId1"/>
   </p:sldMasterIdLst>
   <p:notesMasterIdLst>
-    <p:notesMasterId r:id="rId22"/>
+    <p:notesMasterId r:id="rId19"/>
   </p:notesMasterIdLst>
   <p:handoutMasterIdLst>
-    <p:handoutMasterId r:id="rId23"/>
+    <p:handoutMasterId r:id="rId20"/>
   </p:handoutMasterIdLst>
   <p:sldIdLst>
-    <p:sldId id="256" r:id="rId5"/>
-    <p:sldId id="340" r:id="rId6"/>
-    <p:sldId id="367" r:id="rId7"/>
-    <p:sldId id="269" r:id="rId8"/>
-    <p:sldId id="271" r:id="rId9"/>
-    <p:sldId id="342" r:id="rId10"/>
-    <p:sldId id="339" r:id="rId11"/>
-    <p:sldId id="395" r:id="rId12"/>
-    <p:sldId id="396" r:id="rId13"/>
-    <p:sldId id="525" r:id="rId14"/>
-    <p:sldId id="521" r:id="rId15"/>
-    <p:sldId id="524" r:id="rId16"/>
-    <p:sldId id="527" r:id="rId17"/>
-    <p:sldId id="528" r:id="rId18"/>
-    <p:sldId id="529" r:id="rId19"/>
-    <p:sldId id="397" r:id="rId20"/>
-    <p:sldId id="398" r:id="rId21"/>
+    <p:sldId id="256" r:id="rId2"/>
+    <p:sldId id="340" r:id="rId3"/>
+    <p:sldId id="367" r:id="rId4"/>
+    <p:sldId id="269" r:id="rId5"/>
+    <p:sldId id="271" r:id="rId6"/>
+    <p:sldId id="342" r:id="rId7"/>
+    <p:sldId id="339" r:id="rId8"/>
+    <p:sldId id="395" r:id="rId9"/>
+    <p:sldId id="396" r:id="rId10"/>
+    <p:sldId id="525" r:id="rId11"/>
+    <p:sldId id="521" r:id="rId12"/>
+    <p:sldId id="524" r:id="rId13"/>
+    <p:sldId id="527" r:id="rId14"/>
+    <p:sldId id="528" r:id="rId15"/>
+    <p:sldId id="529" r:id="rId16"/>
+    <p:sldId id="397" r:id="rId17"/>
+    <p:sldId id="398" r:id="rId18"/>
   </p:sldIdLst>
   <p:sldSz cx="9906000" cy="6858000" type="A4"/>
   <p:notesSz cx="7104063" cy="10234613"/>
@@ -242,7 +242,7 @@
           <a:p>
             <a:fld id="{9C4CBB43-E31D-44A0-A53C-703516A088F9}" type="datetimeFigureOut">
               <a:rPr kumimoji="1" lang="ja-JP" altLang="en-US" smtClean="0"/>
-              <a:t>2025/8/21</a:t>
+              <a:t>2025/8/26</a:t>
             </a:fld>
             <a:endParaRPr kumimoji="1" lang="ja-JP" altLang="en-US"/>
           </a:p>
@@ -420,7 +420,7 @@
           <a:p>
             <a:fld id="{0F5249E7-E526-41BC-878D-DBB27AF3BCB6}" type="datetimeFigureOut">
               <a:rPr kumimoji="1" lang="ja-JP" altLang="en-US" smtClean="0"/>
-              <a:t>2025/8/21</a:t>
+              <a:t>2025/8/26</a:t>
             </a:fld>
             <a:endParaRPr kumimoji="1" lang="ja-JP" altLang="en-US"/>
           </a:p>
@@ -27908,7 +27908,7 @@
               </a:ext>
             </a:extLst>
           </a:blip>
-          <a:srcRect l="8684" t="2644" r="9030" b="5721"/>
+          <a:srcRect/>
           <a:stretch>
             <a:fillRect/>
           </a:stretch>
@@ -34620,293 +34620,4 @@
     </a:ext>
   </a:extLst>
 </a:theme>
-</file>
-
-<file path=customXml/item1.xml><?xml version="1.0" encoding="utf-8"?>
-<ct:contentTypeSchema xmlns:ct="http://schemas.microsoft.com/office/2006/metadata/contentType" xmlns:ma="http://schemas.microsoft.com/office/2006/metadata/properties/metaAttributes" ct:_="" ma:_="" ma:contentTypeName="ドキュメント" ma:contentTypeID="0x010100317BAD2A974274468B93BA0E70B86153" ma:contentTypeVersion="14" ma:contentTypeDescription="新しいドキュメントを作成します。" ma:contentTypeScope="" ma:versionID="19deaf902174782fcab1e59d5990709b">
-  <xsd:schema xmlns:xsd="http://www.w3.org/2001/XMLSchema" xmlns:xs="http://www.w3.org/2001/XMLSchema" xmlns:p="http://schemas.microsoft.com/office/2006/metadata/properties" xmlns:ns3="4952ab04-0ae3-4d00-bda6-702fdc5fffab" xmlns:ns4="a9997899-e6ea-448c-9370-6665c1cb1ca9" targetNamespace="http://schemas.microsoft.com/office/2006/metadata/properties" ma:root="true" ma:fieldsID="626e8013a1feda8fd847dbe4d0402ef4" ns3:_="" ns4:_="">
-    <xsd:import namespace="4952ab04-0ae3-4d00-bda6-702fdc5fffab"/>
-    <xsd:import namespace="a9997899-e6ea-448c-9370-6665c1cb1ca9"/>
-    <xsd:element name="properties">
-      <xsd:complexType>
-        <xsd:sequence>
-          <xsd:element name="documentManagement">
-            <xsd:complexType>
-              <xsd:all>
-                <xsd:element ref="ns3:MediaServiceMetadata" minOccurs="0"/>
-                <xsd:element ref="ns3:MediaServiceFastMetadata" minOccurs="0"/>
-                <xsd:element ref="ns3:MediaServiceObjectDetectorVersions" minOccurs="0"/>
-                <xsd:element ref="ns3:_activity" minOccurs="0"/>
-                <xsd:element ref="ns3:MediaServiceSearchProperties" minOccurs="0"/>
-                <xsd:element ref="ns4:SharedWithUsers" minOccurs="0"/>
-                <xsd:element ref="ns4:SharedWithDetails" minOccurs="0"/>
-                <xsd:element ref="ns4:SharingHintHash" minOccurs="0"/>
-                <xsd:element ref="ns3:MediaServiceDateTaken" minOccurs="0"/>
-                <xsd:element ref="ns3:MediaServiceSystemTags" minOccurs="0"/>
-                <xsd:element ref="ns3:MediaServiceOCR" minOccurs="0"/>
-                <xsd:element ref="ns3:MediaServiceGenerationTime" minOccurs="0"/>
-                <xsd:element ref="ns3:MediaServiceEventHashCode" minOccurs="0"/>
-                <xsd:element ref="ns3:MediaLengthInSeconds" minOccurs="0"/>
-              </xsd:all>
-            </xsd:complexType>
-          </xsd:element>
-        </xsd:sequence>
-      </xsd:complexType>
-    </xsd:element>
-  </xsd:schema>
-  <xsd:schema xmlns:xsd="http://www.w3.org/2001/XMLSchema" xmlns:xs="http://www.w3.org/2001/XMLSchema" xmlns:dms="http://schemas.microsoft.com/office/2006/documentManagement/types" xmlns:pc="http://schemas.microsoft.com/office/infopath/2007/PartnerControls" targetNamespace="4952ab04-0ae3-4d00-bda6-702fdc5fffab" elementFormDefault="qualified">
-    <xsd:import namespace="http://schemas.microsoft.com/office/2006/documentManagement/types"/>
-    <xsd:import namespace="http://schemas.microsoft.com/office/infopath/2007/PartnerControls"/>
-    <xsd:element name="MediaServiceMetadata" ma:index="8" nillable="true" ma:displayName="MediaServiceMetadata" ma:hidden="true" ma:internalName="MediaServiceMetadata" ma:readOnly="true">
-      <xsd:simpleType>
-        <xsd:restriction base="dms:Note"/>
-      </xsd:simpleType>
-    </xsd:element>
-    <xsd:element name="MediaServiceFastMetadata" ma:index="9" nillable="true" ma:displayName="MediaServiceFastMetadata" ma:hidden="true" ma:internalName="MediaServiceFastMetadata" ma:readOnly="true">
-      <xsd:simpleType>
-        <xsd:restriction base="dms:Note"/>
-      </xsd:simpleType>
-    </xsd:element>
-    <xsd:element name="MediaServiceObjectDetectorVersions" ma:index="10" nillable="true" ma:displayName="MediaServiceObjectDetectorVersions" ma:hidden="true" ma:indexed="true" ma:internalName="MediaServiceObjectDetectorVersions" ma:readOnly="true">
-      <xsd:simpleType>
-        <xsd:restriction base="dms:Text"/>
-      </xsd:simpleType>
-    </xsd:element>
-    <xsd:element name="_activity" ma:index="11" nillable="true" ma:displayName="_activity" ma:hidden="true" ma:internalName="_activity">
-      <xsd:simpleType>
-        <xsd:restriction base="dms:Note"/>
-      </xsd:simpleType>
-    </xsd:element>
-    <xsd:element name="MediaServiceSearchProperties" ma:index="12" nillable="true" ma:displayName="MediaServiceSearchProperties" ma:hidden="true" ma:internalName="MediaServiceSearchProperties" ma:readOnly="true">
-      <xsd:simpleType>
-        <xsd:restriction base="dms:Note"/>
-      </xsd:simpleType>
-    </xsd:element>
-    <xsd:element name="MediaServiceDateTaken" ma:index="16" nillable="true" ma:displayName="MediaServiceDateTaken" ma:hidden="true" ma:indexed="true" ma:internalName="MediaServiceDateTaken" ma:readOnly="true">
-      <xsd:simpleType>
-        <xsd:restriction base="dms:Text"/>
-      </xsd:simpleType>
-    </xsd:element>
-    <xsd:element name="MediaServiceSystemTags" ma:index="17" nillable="true" ma:displayName="MediaServiceSystemTags" ma:hidden="true" ma:internalName="MediaServiceSystemTags" ma:readOnly="true">
-      <xsd:simpleType>
-        <xsd:restriction base="dms:Note"/>
-      </xsd:simpleType>
-    </xsd:element>
-    <xsd:element name="MediaServiceOCR" ma:index="18" nillable="true" ma:displayName="Extracted Text" ma:internalName="MediaServiceOCR" ma:readOnly="true">
-      <xsd:simpleType>
-        <xsd:restriction base="dms:Note">
-          <xsd:maxLength value="255"/>
-        </xsd:restriction>
-      </xsd:simpleType>
-    </xsd:element>
-    <xsd:element name="MediaServiceGenerationTime" ma:index="19" nillable="true" ma:displayName="MediaServiceGenerationTime" ma:hidden="true" ma:internalName="MediaServiceGenerationTime" ma:readOnly="true">
-      <xsd:simpleType>
-        <xsd:restriction base="dms:Text"/>
-      </xsd:simpleType>
-    </xsd:element>
-    <xsd:element name="MediaServiceEventHashCode" ma:index="20" nillable="true" ma:displayName="MediaServiceEventHashCode" ma:hidden="true" ma:internalName="MediaServiceEventHashCode" ma:readOnly="true">
-      <xsd:simpleType>
-        <xsd:restriction base="dms:Text"/>
-      </xsd:simpleType>
-    </xsd:element>
-    <xsd:element name="MediaLengthInSeconds" ma:index="21" nillable="true" ma:displayName="MediaLengthInSeconds" ma:hidden="true" ma:internalName="MediaLengthInSeconds" ma:readOnly="true">
-      <xsd:simpleType>
-        <xsd:restriction base="dms:Unknown"/>
-      </xsd:simpleType>
-    </xsd:element>
-  </xsd:schema>
-  <xsd:schema xmlns:xsd="http://www.w3.org/2001/XMLSchema" xmlns:xs="http://www.w3.org/2001/XMLSchema" xmlns:dms="http://schemas.microsoft.com/office/2006/documentManagement/types" xmlns:pc="http://schemas.microsoft.com/office/infopath/2007/PartnerControls" targetNamespace="a9997899-e6ea-448c-9370-6665c1cb1ca9" elementFormDefault="qualified">
-    <xsd:import namespace="http://schemas.microsoft.com/office/2006/documentManagement/types"/>
-    <xsd:import namespace="http://schemas.microsoft.com/office/infopath/2007/PartnerControls"/>
-    <xsd:element name="SharedWithUsers" ma:index="13" nillable="true" ma:displayName="共有相手" ma:internalName="SharedWithUsers" ma:readOnly="true">
-      <xsd:complexType>
-        <xsd:complexContent>
-          <xsd:extension base="dms:UserMulti">
-            <xsd:sequence>
-              <xsd:element name="UserInfo" minOccurs="0" maxOccurs="unbounded">
-                <xsd:complexType>
-                  <xsd:sequence>
-                    <xsd:element name="DisplayName" type="xsd:string" minOccurs="0"/>
-                    <xsd:element name="AccountId" type="dms:UserId" minOccurs="0" nillable="true"/>
-                    <xsd:element name="AccountType" type="xsd:string" minOccurs="0"/>
-                  </xsd:sequence>
-                </xsd:complexType>
-              </xsd:element>
-            </xsd:sequence>
-          </xsd:extension>
-        </xsd:complexContent>
-      </xsd:complexType>
-    </xsd:element>
-    <xsd:element name="SharedWithDetails" ma:index="14" nillable="true" ma:displayName="共有相手の詳細情報" ma:internalName="SharedWithDetails" ma:readOnly="true">
-      <xsd:simpleType>
-        <xsd:restriction base="dms:Note">
-          <xsd:maxLength value="255"/>
-        </xsd:restriction>
-      </xsd:simpleType>
-    </xsd:element>
-    <xsd:element name="SharingHintHash" ma:index="15" nillable="true" ma:displayName="共有のヒントのハッシュ" ma:hidden="true" ma:internalName="SharingHintHash" ma:readOnly="true">
-      <xsd:simpleType>
-        <xsd:restriction base="dms:Text"/>
-      </xsd:simpleType>
-    </xsd:element>
-  </xsd:schema>
-  <xsd:schema xmlns="http://schemas.openxmlformats.org/package/2006/metadata/core-properties" xmlns:xsd="http://www.w3.org/2001/XMLSchema" xmlns:xsi="http://www.w3.org/2001/XMLSchema-instance" xmlns:dc="http://purl.org/dc/elements/1.1/" xmlns:dcterms="http://purl.org/dc/terms/" xmlns:odoc="http://schemas.microsoft.com/internal/obd" targetNamespace="http://schemas.openxmlformats.org/package/2006/metadata/core-properties" elementFormDefault="qualified" attributeFormDefault="unqualified" blockDefault="#all">
-    <xsd:import namespace="http://purl.org/dc/elements/1.1/" schemaLocation="http://dublincore.org/schemas/xmls/qdc/2003/04/02/dc.xsd"/>
-    <xsd:import namespace="http://purl.org/dc/terms/" schemaLocation="http://dublincore.org/schemas/xmls/qdc/2003/04/02/dcterms.xsd"/>
-    <xsd:element name="coreProperties" type="CT_coreProperties"/>
-    <xsd:complexType name="CT_coreProperties">
-      <xsd:all>
-        <xsd:element ref="dc:creator" minOccurs="0" maxOccurs="1"/>
-        <xsd:element ref="dcterms:created" minOccurs="0" maxOccurs="1"/>
-        <xsd:element ref="dc:identifier" minOccurs="0" maxOccurs="1"/>
-        <xsd:element name="contentType" minOccurs="0" maxOccurs="1" type="xsd:string" ma:index="0" ma:displayName="コンテンツ タイプ"/>
-        <xsd:element ref="dc:title" minOccurs="0" maxOccurs="1" ma:index="4" ma:displayName="タイトル"/>
-        <xsd:element ref="dc:subject" minOccurs="0" maxOccurs="1"/>
-        <xsd:element ref="dc:description" minOccurs="0" maxOccurs="1"/>
-        <xsd:element name="keywords" minOccurs="0" maxOccurs="1" type="xsd:string"/>
-        <xsd:element ref="dc:language" minOccurs="0" maxOccurs="1"/>
-        <xsd:element name="category" minOccurs="0" maxOccurs="1" type="xsd:string"/>
-        <xsd:element name="version" minOccurs="0" maxOccurs="1" type="xsd:string"/>
-        <xsd:element name="revision" minOccurs="0" maxOccurs="1" type="xsd:string">
-          <xsd:annotation>
-            <xsd:documentation>
-                        This value indicates the number of saves or revisions. The application is responsible for updating this value after each revision.
-                    </xsd:documentation>
-          </xsd:annotation>
-        </xsd:element>
-        <xsd:element name="lastModifiedBy" minOccurs="0" maxOccurs="1" type="xsd:string"/>
-        <xsd:element ref="dcterms:modified" minOccurs="0" maxOccurs="1"/>
-        <xsd:element name="contentStatus" minOccurs="0" maxOccurs="1" type="xsd:string"/>
-      </xsd:all>
-    </xsd:complexType>
-  </xsd:schema>
-  <xs:schema xmlns:pc="http://schemas.microsoft.com/office/infopath/2007/PartnerControls" xmlns:xs="http://www.w3.org/2001/XMLSchema" targetNamespace="http://schemas.microsoft.com/office/infopath/2007/PartnerControls" elementFormDefault="qualified" attributeFormDefault="unqualified">
-    <xs:element name="Person">
-      <xs:complexType>
-        <xs:sequence>
-          <xs:element ref="pc:DisplayName" minOccurs="0"/>
-          <xs:element ref="pc:AccountId" minOccurs="0"/>
-          <xs:element ref="pc:AccountType" minOccurs="0"/>
-        </xs:sequence>
-      </xs:complexType>
-    </xs:element>
-    <xs:element name="DisplayName" type="xs:string"/>
-    <xs:element name="AccountId" type="xs:string"/>
-    <xs:element name="AccountType" type="xs:string"/>
-    <xs:element name="BDCAssociatedEntity">
-      <xs:complexType>
-        <xs:sequence>
-          <xs:element ref="pc:BDCEntity" minOccurs="0" maxOccurs="unbounded"/>
-        </xs:sequence>
-        <xs:attribute ref="pc:EntityNamespace"/>
-        <xs:attribute ref="pc:EntityName"/>
-        <xs:attribute ref="pc:SystemInstanceName"/>
-        <xs:attribute ref="pc:AssociationName"/>
-      </xs:complexType>
-    </xs:element>
-    <xs:attribute name="EntityNamespace" type="xs:string"/>
-    <xs:attribute name="EntityName" type="xs:string"/>
-    <xs:attribute name="SystemInstanceName" type="xs:string"/>
-    <xs:attribute name="AssociationName" type="xs:string"/>
-    <xs:element name="BDCEntity">
-      <xs:complexType>
-        <xs:sequence>
-          <xs:element ref="pc:EntityDisplayName" minOccurs="0"/>
-          <xs:element ref="pc:EntityInstanceReference" minOccurs="0"/>
-          <xs:element ref="pc:EntityId1" minOccurs="0"/>
-          <xs:element ref="pc:EntityId2" minOccurs="0"/>
-          <xs:element ref="pc:EntityId3" minOccurs="0"/>
-          <xs:element ref="pc:EntityId4" minOccurs="0"/>
-          <xs:element ref="pc:EntityId5" minOccurs="0"/>
-        </xs:sequence>
-      </xs:complexType>
-    </xs:element>
-    <xs:element name="EntityDisplayName" type="xs:string"/>
-    <xs:element name="EntityInstanceReference" type="xs:string"/>
-    <xs:element name="EntityId1" type="xs:string"/>
-    <xs:element name="EntityId2" type="xs:string"/>
-    <xs:element name="EntityId3" type="xs:string"/>
-    <xs:element name="EntityId4" type="xs:string"/>
-    <xs:element name="EntityId5" type="xs:string"/>
-    <xs:element name="Terms">
-      <xs:complexType>
-        <xs:sequence>
-          <xs:element ref="pc:TermInfo" minOccurs="0" maxOccurs="unbounded"/>
-        </xs:sequence>
-      </xs:complexType>
-    </xs:element>
-    <xs:element name="TermInfo">
-      <xs:complexType>
-        <xs:sequence>
-          <xs:element ref="pc:TermName" minOccurs="0"/>
-          <xs:element ref="pc:TermId" minOccurs="0"/>
-        </xs:sequence>
-      </xs:complexType>
-    </xs:element>
-    <xs:element name="TermName" type="xs:string"/>
-    <xs:element name="TermId" type="xs:string"/>
-  </xs:schema>
-</ct:contentTypeSchema>
-</file>
-
-<file path=customXml/item2.xml><?xml version="1.0" encoding="utf-8"?>
-<p:properties xmlns:p="http://schemas.microsoft.com/office/2006/metadata/properties" xmlns:xsi="http://www.w3.org/2001/XMLSchema-instance" xmlns:pc="http://schemas.microsoft.com/office/infopath/2007/PartnerControls">
-  <documentManagement>
-    <_activity xmlns="4952ab04-0ae3-4d00-bda6-702fdc5fffab" xsi:nil="true"/>
-  </documentManagement>
-</p:properties>
-</file>
-
-<file path=customXml/item3.xml><?xml version="1.0" encoding="utf-8"?>
-<?mso-contentType ?>
-<FormTemplates xmlns="http://schemas.microsoft.com/sharepoint/v3/contenttype/forms">
-  <Display>DocumentLibraryForm</Display>
-  <Edit>DocumentLibraryForm</Edit>
-  <New>DocumentLibraryForm</New>
-</FormTemplates>
-</file>
-
-<file path=customXml/itemProps1.xml><?xml version="1.0" encoding="utf-8"?>
-<ds:datastoreItem xmlns:ds="http://schemas.openxmlformats.org/officeDocument/2006/customXml" ds:itemID="{F412A431-86F1-4D8E-AC27-86C6F4A4DCAA}">
-  <ds:schemaRefs>
-    <ds:schemaRef ds:uri="4952ab04-0ae3-4d00-bda6-702fdc5fffab"/>
-    <ds:schemaRef ds:uri="a9997899-e6ea-448c-9370-6665c1cb1ca9"/>
-    <ds:schemaRef ds:uri="http://purl.org/dc/elements/1.1/"/>
-    <ds:schemaRef ds:uri="http://purl.org/dc/terms/"/>
-    <ds:schemaRef ds:uri="http://schemas.microsoft.com/internal/obd"/>
-    <ds:schemaRef ds:uri="http://schemas.microsoft.com/office/2006/documentManagement/types"/>
-    <ds:schemaRef ds:uri="http://schemas.microsoft.com/office/2006/metadata/contentType"/>
-    <ds:schemaRef ds:uri="http://schemas.microsoft.com/office/2006/metadata/properties"/>
-    <ds:schemaRef ds:uri="http://schemas.microsoft.com/office/2006/metadata/properties/metaAttributes"/>
-    <ds:schemaRef ds:uri="http://schemas.microsoft.com/office/infopath/2007/PartnerControls"/>
-    <ds:schemaRef ds:uri="http://schemas.openxmlformats.org/package/2006/metadata/core-properties"/>
-    <ds:schemaRef ds:uri="http://www.w3.org/2000/xmlns/"/>
-    <ds:schemaRef ds:uri="http://www.w3.org/2001/XMLSchema"/>
-  </ds:schemaRefs>
-</ds:datastoreItem>
-</file>
-
-<file path=customXml/itemProps2.xml><?xml version="1.0" encoding="utf-8"?>
-<ds:datastoreItem xmlns:ds="http://schemas.openxmlformats.org/officeDocument/2006/customXml" ds:itemID="{F5BCF84E-3EFE-4EC9-AB6C-7D53083CF2F0}">
-  <ds:schemaRefs>
-    <ds:schemaRef ds:uri="4952ab04-0ae3-4d00-bda6-702fdc5fffab"/>
-    <ds:schemaRef ds:uri="http://schemas.microsoft.com/office/2006/metadata/properties"/>
-    <ds:schemaRef ds:uri="http://schemas.microsoft.com/office/2006/documentManagement/types"/>
-    <ds:schemaRef ds:uri="http://www.w3.org/XML/1998/namespace"/>
-    <ds:schemaRef ds:uri="http://purl.org/dc/terms/"/>
-    <ds:schemaRef ds:uri="http://purl.org/dc/elements/1.1/"/>
-    <ds:schemaRef ds:uri="a9997899-e6ea-448c-9370-6665c1cb1ca9"/>
-    <ds:schemaRef ds:uri="http://purl.org/dc/dcmitype/"/>
-    <ds:schemaRef ds:uri="http://schemas.microsoft.com/office/infopath/2007/PartnerControls"/>
-    <ds:schemaRef ds:uri="http://schemas.openxmlformats.org/package/2006/metadata/core-properties"/>
-  </ds:schemaRefs>
-</ds:datastoreItem>
-</file>
-
-<file path=customXml/itemProps3.xml><?xml version="1.0" encoding="utf-8"?>
-<ds:datastoreItem xmlns:ds="http://schemas.openxmlformats.org/officeDocument/2006/customXml" ds:itemID="{E556F4D6-31A5-4692-BD03-E6D6534FF51F}">
-  <ds:schemaRefs>
-    <ds:schemaRef ds:uri="http://schemas.microsoft.com/sharepoint/v3/contenttype/forms"/>
-  </ds:schemaRefs>
-</ds:datastoreItem>
 </file>